--- a/Deliverable-1/TeamD_Project_Presentation.pptx
+++ b/Deliverable-1/TeamD_Project_Presentation.pptx
@@ -29,12 +29,12 @@
   <p:notesSz cx="6858000" cy="9144000"/>
   <p:embeddedFontLst>
     <p:embeddedFont>
-      <p:font typeface="Comfortaa" charset="0"/>
+      <p:font typeface="Comfortaa" pitchFamily="2" charset="0"/>
       <p:regular r:id="rId19"/>
       <p:bold r:id="rId20"/>
     </p:embeddedFont>
     <p:embeddedFont>
-      <p:font typeface="Trebuchet MS" pitchFamily="34" charset="0"/>
+      <p:font typeface="Trebuchet MS" panose="020B0703020202090204" pitchFamily="34" charset="0"/>
       <p:regular r:id="rId21"/>
       <p:bold r:id="rId22"/>
       <p:italic r:id="rId23"/>
@@ -272,7 +272,7 @@
   </p:defaultTextStyle>
   <p:extLst>
     <p:ext uri="{EFAFB233-063F-42B5-8137-9DF3F51BA10A}">
-      <p15:sldGuideLst xmlns:ahyp="http://schemas.microsoft.com/office/drawing/2018/hyperlinkcolor" xmlns:p15="http://schemas.microsoft.com/office/powerpoint/2012/main" xmlns:p14="http://schemas.microsoft.com/office/powerpoint/2010/main" xmlns:com="http://schemas.openxmlformats.org/drawingml/2006/compatibility" xmlns:pvml="urn:schemas-microsoft-com:office:powerpoint" xmlns:v="urn:schemas-microsoft-com:vml" xmlns:o="urn:schemas-microsoft-com:office:office" xmlns:dgm="http://schemas.openxmlformats.org/drawingml/2006/diagram" xmlns:c="http://schemas.openxmlformats.org/drawingml/2006/chart" xmlns:mv="urn:schemas-microsoft-com:mac:vml" xmlns:mc="http://schemas.openxmlformats.org/markup-compatibility/2006" xmlns="">
+      <p15:sldGuideLst xmlns:p15="http://schemas.microsoft.com/office/powerpoint/2012/main">
         <p15:guide id="1" orient="horz" pos="2160">
           <p15:clr>
             <a:srgbClr val="000000"/>
@@ -286,7 +286,7 @@
       </p15:sldGuideLst>
     </p:ext>
     <p:ext uri="http://customooxmlschemas.google.com/">
-      <go:slidesCustomData xmlns:go="http://customooxmlschemas.google.com/" xmlns:ahyp="http://schemas.microsoft.com/office/drawing/2018/hyperlinkcolor" xmlns:p15="http://schemas.microsoft.com/office/powerpoint/2012/main" xmlns:p14="http://schemas.microsoft.com/office/powerpoint/2010/main" xmlns:com="http://schemas.openxmlformats.org/drawingml/2006/compatibility" xmlns:pvml="urn:schemas-microsoft-com:office:powerpoint" xmlns:v="urn:schemas-microsoft-com:vml" xmlns:o="urn:schemas-microsoft-com:office:office" xmlns:dgm="http://schemas.openxmlformats.org/drawingml/2006/diagram" xmlns:c="http://schemas.openxmlformats.org/drawingml/2006/chart" xmlns:mv="urn:schemas-microsoft-com:mac:vml" xmlns:mc="http://schemas.openxmlformats.org/markup-compatibility/2006" xmlns="" r:id="rId26" roundtripDataSignature="AMtx7miz0JBwe41R2D/3k73OWmbgNwOuwg=="/>
+      <go:slidesCustomData xmlns="" xmlns:mc="http://schemas.openxmlformats.org/markup-compatibility/2006" xmlns:mv="urn:schemas-microsoft-com:mac:vml" xmlns:c="http://schemas.openxmlformats.org/drawingml/2006/chart" xmlns:dgm="http://schemas.openxmlformats.org/drawingml/2006/diagram" xmlns:o="urn:schemas-microsoft-com:office:office" xmlns:v="urn:schemas-microsoft-com:vml" xmlns:pvml="urn:schemas-microsoft-com:office:powerpoint" xmlns:com="http://schemas.openxmlformats.org/drawingml/2006/compatibility" xmlns:p14="http://schemas.microsoft.com/office/powerpoint/2010/main" xmlns:p15="http://schemas.microsoft.com/office/powerpoint/2012/main" xmlns:ahyp="http://schemas.microsoft.com/office/drawing/2018/hyperlinkcolor" xmlns:go="http://customooxmlschemas.google.com/" r:id="rId26" roundtripDataSignature="AMtx7miz0JBwe41R2D/3k73OWmbgNwOuwg=="/>
     </p:ext>
   </p:extLst>
 </p:presentation>
@@ -21831,55 +21831,7 @@
                 <a:cs typeface="Comfortaa"/>
                 <a:sym typeface="Comfortaa"/>
               </a:rPr>
-              <a:t>Software Engineering </a:t>
-            </a:r>
-            <a:r>
-              <a:rPr lang="en-US" sz="2700" b="1" dirty="0" smtClean="0">
-                <a:solidFill>
-                  <a:srgbClr val="000000"/>
-                </a:solidFill>
-                <a:latin typeface="Comfortaa"/>
-                <a:ea typeface="Comfortaa"/>
-                <a:cs typeface="Comfortaa"/>
-                <a:sym typeface="Comfortaa"/>
-              </a:rPr>
-              <a:t>Processes </a:t>
-            </a:r>
-            <a:r>
-              <a:rPr lang="en-US" sz="2700" b="1" dirty="0">
-                <a:solidFill>
-                  <a:srgbClr val="000000"/>
-                </a:solidFill>
-                <a:latin typeface="Comfortaa"/>
-                <a:ea typeface="Comfortaa"/>
-                <a:cs typeface="Comfortaa"/>
-                <a:sym typeface="Comfortaa"/>
-              </a:rPr>
-              <a:t>SOEN </a:t>
-            </a:r>
-            <a:r>
-              <a:rPr lang="en-US" sz="2700" b="1" dirty="0" smtClean="0">
-                <a:solidFill>
-                  <a:srgbClr val="000000"/>
-                </a:solidFill>
-                <a:latin typeface="Comfortaa"/>
-                <a:ea typeface="Comfortaa"/>
-                <a:cs typeface="Comfortaa"/>
-                <a:sym typeface="Comfortaa"/>
-              </a:rPr>
-              <a:t>6011</a:t>
-            </a:r>
-            <a:r>
-              <a:rPr lang="en-US" sz="1800" b="1" dirty="0">
-                <a:solidFill>
-                  <a:srgbClr val="000000"/>
-                </a:solidFill>
-                <a:latin typeface="Comfortaa"/>
-                <a:ea typeface="Comfortaa"/>
-                <a:cs typeface="Comfortaa"/>
-                <a:sym typeface="Comfortaa"/>
-              </a:rPr>
-              <a:t/>
+              <a:t>Software Engineering Processes SOEN 6011</a:t>
             </a:r>
             <a:br>
               <a:rPr lang="en-US" sz="1800" b="1" dirty="0">
@@ -21892,7 +21844,7 @@
                 <a:sym typeface="Comfortaa"/>
               </a:rPr>
             </a:br>
-            <a:endParaRPr sz="2100" b="1">
+            <a:endParaRPr sz="2100" b="1" dirty="0">
               <a:solidFill>
                 <a:srgbClr val="000000"/>
               </a:solidFill>
@@ -21962,21 +21914,6 @@
               </a:rPr>
               <a:t>Kamthan</a:t>
             </a:r>
-            <a:r>
-              <a:rPr lang="en-US" sz="1600" b="1" dirty="0">
-                <a:solidFill>
-                  <a:srgbClr val="000000"/>
-                </a:solidFill>
-                <a:highlight>
-                  <a:srgbClr val="FFFFFF"/>
-                </a:highlight>
-                <a:latin typeface="Comfortaa"/>
-                <a:ea typeface="Comfortaa"/>
-                <a:cs typeface="Comfortaa"/>
-                <a:sym typeface="Comfortaa"/>
-              </a:rPr>
-              <a:t/>
-            </a:r>
             <a:br>
               <a:rPr lang="en-US" sz="1600" b="1" dirty="0">
                 <a:solidFill>
@@ -22003,7 +21940,7 @@
               </a:rPr>
               <a:t>Summer 2020</a:t>
             </a:r>
-            <a:endParaRPr sz="1600" b="1">
+            <a:endParaRPr sz="1600" b="1" dirty="0">
               <a:solidFill>
                 <a:srgbClr val="000000"/>
               </a:solidFill>
@@ -22017,8 +21954,8 @@
             <a:pPr lvl="0" algn="ctr">
               <a:buSzPts val="4860"/>
             </a:pPr>
-            <a:r>
-              <a:rPr lang="en-US" sz="2600" b="1" dirty="0" smtClean="0">
+            <a:br>
+              <a:rPr lang="en-US" sz="2600" b="1" dirty="0">
                 <a:solidFill>
                   <a:srgbClr val="000000"/>
                 </a:solidFill>
@@ -22027,10 +21964,9 @@
                 <a:cs typeface="Comfortaa"/>
                 <a:sym typeface="Comfortaa"/>
               </a:rPr>
-              <a:t/>
-            </a:r>
+            </a:br>
             <a:br>
-              <a:rPr lang="en-US" sz="2600" b="1" dirty="0" smtClean="0">
+              <a:rPr lang="en-US" sz="2600" b="1" dirty="0">
                 <a:solidFill>
                   <a:srgbClr val="000000"/>
                 </a:solidFill>
@@ -22041,30 +21977,7 @@
               </a:rPr>
             </a:br>
             <a:r>
-              <a:rPr lang="en-US" sz="2600" b="1" dirty="0" smtClean="0">
-                <a:solidFill>
-                  <a:srgbClr val="000000"/>
-                </a:solidFill>
-                <a:latin typeface="Comfortaa"/>
-                <a:ea typeface="Comfortaa"/>
-                <a:cs typeface="Comfortaa"/>
-                <a:sym typeface="Comfortaa"/>
-              </a:rPr>
-              <a:t/>
-            </a:r>
-            <a:br>
-              <a:rPr lang="en-US" sz="2600" b="1" dirty="0" smtClean="0">
-                <a:solidFill>
-                  <a:srgbClr val="000000"/>
-                </a:solidFill>
-                <a:latin typeface="Comfortaa"/>
-                <a:ea typeface="Comfortaa"/>
-                <a:cs typeface="Comfortaa"/>
-                <a:sym typeface="Comfortaa"/>
-              </a:rPr>
-            </a:br>
-            <a:r>
-              <a:rPr lang="en-US" sz="1600" b="1" dirty="0" err="1" smtClean="0">
+              <a:rPr lang="en-US" sz="1600" b="1" dirty="0">
                 <a:solidFill>
                   <a:srgbClr val="000000"/>
                 </a:solidFill>
@@ -22073,22 +21986,10 @@
                 <a:cs typeface="Comfortaa"/>
                 <a:sym typeface="Comfortaa"/>
               </a:rPr>
-              <a:t>Github</a:t>
+              <a:t>GitHub URL</a:t>
             </a:r>
             <a:r>
-              <a:rPr lang="en-US" sz="1600" b="1" dirty="0" smtClean="0">
-                <a:solidFill>
-                  <a:srgbClr val="000000"/>
-                </a:solidFill>
-                <a:latin typeface="+mn-lt"/>
-                <a:ea typeface="Comfortaa"/>
-                <a:cs typeface="Comfortaa"/>
-                <a:sym typeface="Comfortaa"/>
-              </a:rPr>
-              <a:t> URL</a:t>
-            </a:r>
-            <a:r>
-              <a:rPr lang="en-US" sz="1600" b="1" dirty="0" smtClean="0">
+              <a:rPr lang="en-US" sz="1600" b="1" dirty="0">
                 <a:solidFill>
                   <a:schemeClr val="accent6">
                     <a:lumMod val="75000"/>
@@ -22102,7 +22003,7 @@
               <a:t>: </a:t>
             </a:r>
             <a:r>
-              <a:rPr lang="en-IN" sz="1600" b="1" dirty="0" smtClean="0">
+              <a:rPr lang="en-IN" sz="1600" b="1" dirty="0">
                 <a:solidFill>
                   <a:schemeClr val="accent6">
                     <a:lumMod val="75000"/>
@@ -22113,8 +22014,8 @@
               </a:rPr>
               <a:t>https://github.com/Saicharanduduka/SOEN-6011-TEAM-D</a:t>
             </a:r>
-            <a:r>
-              <a:rPr lang="en-IN" sz="1600" b="1" dirty="0" smtClean="0">
+            <a:br>
+              <a:rPr lang="en-IN" sz="1600" b="1" dirty="0">
                 <a:solidFill>
                   <a:schemeClr val="accent6">
                     <a:lumMod val="75000"/>
@@ -22122,31 +22023,14 @@
                 </a:solidFill>
                 <a:latin typeface="+mn-lt"/>
               </a:rPr>
-              <a:t/>
-            </a:r>
+            </a:br>
             <a:br>
-              <a:rPr lang="en-IN" sz="1600" b="1" dirty="0" smtClean="0">
-                <a:solidFill>
-                  <a:schemeClr val="accent6">
-                    <a:lumMod val="75000"/>
-                  </a:schemeClr>
-                </a:solidFill>
+              <a:rPr lang="en-IN" sz="1600" dirty="0">
                 <a:latin typeface="+mn-lt"/>
               </a:rPr>
             </a:br>
             <a:r>
-              <a:rPr lang="en-IN" sz="1600" dirty="0" smtClean="0">
-                <a:latin typeface="+mn-lt"/>
-              </a:rPr>
-              <a:t/>
-            </a:r>
-            <a:br>
-              <a:rPr lang="en-IN" sz="1600" dirty="0" smtClean="0">
-                <a:latin typeface="+mn-lt"/>
-              </a:rPr>
-            </a:br>
-            <a:r>
-              <a:rPr lang="en-IN" sz="1600" b="1" dirty="0" smtClean="0">
+              <a:rPr lang="en-IN" sz="1600" b="1" dirty="0">
                 <a:solidFill>
                   <a:schemeClr val="tx1"/>
                 </a:solidFill>
@@ -22155,13 +22039,13 @@
               <a:t>SESTOPIA URL:</a:t>
             </a:r>
             <a:r>
-              <a:rPr lang="en-IN" sz="1600" b="1" dirty="0" smtClean="0">
+              <a:rPr lang="en-IN" sz="1600" b="1" dirty="0">
                 <a:latin typeface="+mn-lt"/>
               </a:rPr>
               <a:t> </a:t>
             </a:r>
             <a:r>
-              <a:rPr lang="en-IN" sz="1600" b="1" dirty="0" smtClean="0">
+              <a:rPr lang="en-IN" sz="1600" b="1" dirty="0">
                 <a:solidFill>
                   <a:schemeClr val="accent6">
                     <a:lumMod val="75000"/>
@@ -22172,7 +22056,7 @@
               </a:rPr>
               <a:t>http://sestopia-d.epizy.com/?i=1</a:t>
             </a:r>
-            <a:endParaRPr sz="1600" b="1" smtClean="0">
+            <a:endParaRPr sz="1600" b="1" dirty="0">
               <a:solidFill>
                 <a:schemeClr val="accent6">
                   <a:lumMod val="75000"/>
@@ -22202,7 +22086,7 @@
               <a:buFont typeface="Trebuchet MS"/>
               <a:buNone/>
             </a:pPr>
-            <a:endParaRPr sz="1800"/>
+            <a:endParaRPr sz="1800" dirty="0"/>
           </a:p>
         </p:txBody>
       </p:sp>
@@ -22250,7 +22134,7 @@
               <a:t>Team D - </a:t>
             </a:r>
             <a:r>
-              <a:rPr lang="en-US" sz="3600" dirty="0" smtClean="0"/>
+              <a:rPr lang="en-US" sz="3600" dirty="0"/>
               <a:t>SESTOPIA </a:t>
             </a:r>
             <a:endParaRPr sz="3600" b="0" i="0" u="none" strike="noStrike" cap="none">
@@ -22270,13 +22154,6 @@
   <p:clrMapOvr>
     <a:masterClrMapping/>
   </p:clrMapOvr>
-  <p:timing>
-    <p:tnLst>
-      <p:par>
-        <p:cTn id="1" dur="indefinite" restart="never" nodeType="tmRoot"/>
-      </p:par>
-    </p:tnLst>
-  </p:timing>
 </p:sld>
 </file>
 
@@ -22504,13 +22381,6 @@
   <p:clrMapOvr>
     <a:masterClrMapping/>
   </p:clrMapOvr>
-  <p:timing>
-    <p:tnLst>
-      <p:par>
-        <p:cTn id="1" dur="indefinite" restart="never" nodeType="tmRoot"/>
-      </p:par>
-    </p:tnLst>
-  </p:timing>
 </p:sld>
 </file>
 
@@ -22589,12 +22459,8 @@
               <a:t> </a:t>
             </a:r>
             <a:r>
-              <a:rPr lang="en-US" sz="2400" dirty="0" smtClean="0"/>
-              <a:t>Adopting </a:t>
-            </a:r>
-            <a:r>
               <a:rPr lang="en-US" sz="2400" dirty="0"/>
-              <a:t>to virtually pair programming style as we have 8 members  in a team with consistent meetings.</a:t>
+              <a:t>Adopting to virtually pair programming style as we have 8 members  in a team with consistent meetings.</a:t>
             </a:r>
             <a:endParaRPr/>
           </a:p>
@@ -22616,12 +22482,8 @@
               <a:buChar char="►"/>
             </a:pPr>
             <a:r>
-              <a:rPr lang="en-US" sz="2400" dirty="0" smtClean="0"/>
-              <a:t> Understanding </a:t>
-            </a:r>
-            <a:r>
               <a:rPr lang="en-US" sz="2400" dirty="0"/>
-              <a:t>of project description much thoroughly before deciding the template and start coding</a:t>
+              <a:t> Understanding of project description much thoroughly before deciding the template and start coding</a:t>
             </a:r>
             <a:endParaRPr/>
           </a:p>
@@ -22643,12 +22505,8 @@
               <a:buChar char="►"/>
             </a:pPr>
             <a:r>
-              <a:rPr lang="en-US" sz="2400" dirty="0" smtClean="0"/>
-              <a:t> Having </a:t>
-            </a:r>
-            <a:r>
               <a:rPr lang="en-US" sz="2400" dirty="0"/>
-              <a:t>Many short meetings with clear agenda instead of having long status update meetings</a:t>
+              <a:t> Having Many short meetings with clear agenda instead of having long status update meetings</a:t>
             </a:r>
             <a:endParaRPr/>
           </a:p>
@@ -22670,12 +22528,8 @@
               <a:buChar char="►"/>
             </a:pPr>
             <a:r>
-              <a:rPr lang="en-US" sz="2400" dirty="0" smtClean="0"/>
-              <a:t> Performing </a:t>
-            </a:r>
-            <a:r>
               <a:rPr lang="en-US" sz="2400" dirty="0"/>
-              <a:t>a root cause analysis on project problems and engage the appropriate team member to implement solutions.</a:t>
+              <a:t> Performing a root cause analysis on project problems and engage the appropriate team member to implement solutions.</a:t>
             </a:r>
             <a:endParaRPr/>
           </a:p>
@@ -22947,13 +22801,6 @@
   <p:clrMapOvr>
     <a:masterClrMapping/>
   </p:clrMapOvr>
-  <p:timing>
-    <p:tnLst>
-      <p:par>
-        <p:cTn id="1" dur="indefinite" restart="never" nodeType="tmRoot"/>
-      </p:par>
-    </p:tnLst>
-  </p:timing>
 </p:sld>
 </file>
 
@@ -23169,13 +23016,6 @@
   <p:clrMapOvr>
     <a:masterClrMapping/>
   </p:clrMapOvr>
-  <p:timing>
-    <p:tnLst>
-      <p:par>
-        <p:cTn id="1" dur="indefinite" restart="never" nodeType="tmRoot"/>
-      </p:par>
-    </p:tnLst>
-  </p:timing>
 </p:sld>
 </file>
 
@@ -23212,10 +23052,9 @@
           <a:lstStyle/>
           <a:p>
             <a:r>
-              <a:rPr lang="en-IN" dirty="0" smtClean="0"/>
+              <a:rPr lang="en-IN" dirty="0"/>
               <a:t>Project Retrospective</a:t>
             </a:r>
-            <a:endParaRPr lang="en-IN" dirty="0"/>
           </a:p>
         </p:txBody>
       </p:sp>
@@ -23249,12 +23088,8 @@
               <a:buNone/>
             </a:pPr>
             <a:r>
-              <a:rPr lang="en-IN" b="1" u="sng" dirty="0" smtClean="0"/>
-              <a:t> What </a:t>
-            </a:r>
-            <a:r>
-              <a:rPr lang="en-IN" b="1" u="sng" dirty="0" smtClean="0"/>
-              <a:t>went wrong</a:t>
+              <a:rPr lang="en-IN" b="1" u="sng" dirty="0"/>
+              <a:t> What went wrong</a:t>
             </a:r>
           </a:p>
           <a:p>
@@ -23269,21 +23104,13 @@
               <a:buChar char="●"/>
             </a:pPr>
             <a:r>
-              <a:rPr lang="en-IN" dirty="0" smtClean="0"/>
-              <a:t>Team member schedules didn't always match </a:t>
-            </a:r>
-            <a:r>
-              <a:rPr lang="en-IN" dirty="0" smtClean="0"/>
-              <a:t>due to time zone differences</a:t>
-            </a:r>
-            <a:r>
-              <a:rPr lang="en-IN" dirty="0" smtClean="0"/>
-              <a:t/>
+              <a:rPr lang="en-IN" dirty="0"/>
+              <a:t>Team member schedules didn't always match due to time zone differences</a:t>
             </a:r>
             <a:br>
-              <a:rPr lang="en-IN" dirty="0" smtClean="0"/>
+              <a:rPr lang="en-IN" dirty="0"/>
             </a:br>
-            <a:endParaRPr lang="en-IN" dirty="0" smtClean="0"/>
+            <a:endParaRPr lang="en-IN" dirty="0"/>
           </a:p>
           <a:p>
             <a:pPr lvl="0" indent="-317500">
@@ -23297,22 +23124,10 @@
               <a:buChar char="●"/>
             </a:pPr>
             <a:r>
-              <a:rPr lang="en-IN" dirty="0" smtClean="0"/>
-              <a:t>Some tasks would </a:t>
+              <a:rPr lang="en-IN" dirty="0"/>
+              <a:t>Some tasks would pending completion based on lectures (dependence on course theory)</a:t>
             </a:r>
-            <a:r>
-              <a:rPr lang="en-IN" dirty="0" smtClean="0"/>
-              <a:t>pending </a:t>
-            </a:r>
-            <a:r>
-              <a:rPr lang="en-IN" dirty="0" smtClean="0"/>
-              <a:t>completion based on lectures (dependence on course </a:t>
-            </a:r>
-            <a:r>
-              <a:rPr lang="en-IN" dirty="0" smtClean="0"/>
-              <a:t>theory)</a:t>
-            </a:r>
-            <a:endParaRPr lang="en-IN" b="1" u="sng" dirty="0" smtClean="0"/>
+            <a:endParaRPr lang="en-IN" b="1" u="sng" dirty="0"/>
           </a:p>
           <a:p>
             <a:pPr lvl="0" indent="-317500">
@@ -23325,7 +23140,7 @@
               <a:buSzPts val="1400"/>
               <a:buNone/>
             </a:pPr>
-            <a:endParaRPr lang="en-IN" b="1" u="sng" dirty="0" smtClean="0"/>
+            <a:endParaRPr lang="en-IN" b="1" u="sng" dirty="0"/>
           </a:p>
           <a:p>
             <a:pPr lvl="0" indent="-317500">
@@ -23339,25 +23154,13 @@
               <a:buNone/>
             </a:pPr>
             <a:r>
-              <a:rPr lang="en-IN" b="1" u="sng" dirty="0" smtClean="0"/>
-              <a:t>What </a:t>
-            </a:r>
-            <a:r>
-              <a:rPr lang="en-IN" b="1" u="sng" dirty="0" smtClean="0"/>
-              <a:t>went </a:t>
-            </a:r>
-            <a:r>
-              <a:rPr lang="en-IN" b="1" u="sng" dirty="0" smtClean="0"/>
-              <a:t>right</a:t>
-            </a:r>
-            <a:r>
-              <a:rPr lang="en-IN" dirty="0" smtClean="0"/>
-              <a:t/>
+              <a:rPr lang="en-IN" b="1" u="sng" dirty="0"/>
+              <a:t>What went right</a:t>
             </a:r>
             <a:br>
-              <a:rPr lang="en-IN" dirty="0" smtClean="0"/>
+              <a:rPr lang="en-IN" dirty="0"/>
             </a:br>
-            <a:endParaRPr lang="en-IN" dirty="0" smtClean="0"/>
+            <a:endParaRPr lang="en-IN" dirty="0"/>
           </a:p>
           <a:p>
             <a:pPr lvl="0" indent="-317500">
@@ -23371,7 +23174,7 @@
               <a:buChar char="●"/>
             </a:pPr>
             <a:r>
-              <a:rPr lang="en-IN" dirty="0" smtClean="0"/>
+              <a:rPr lang="en-IN" dirty="0"/>
               <a:t>Working productively, virtually, no in-person interactions (COVID-19)</a:t>
             </a:r>
           </a:p>
@@ -23385,7 +23188,7 @@
               </a:spcBef>
               <a:buNone/>
             </a:pPr>
-            <a:endParaRPr lang="en-IN" dirty="0" smtClean="0"/>
+            <a:endParaRPr lang="en-IN" dirty="0"/>
           </a:p>
           <a:p>
             <a:pPr marL="0" lvl="0" indent="0">
@@ -23398,21 +23201,13 @@
               <a:buNone/>
             </a:pPr>
             <a:r>
-              <a:rPr lang="en-IN" b="1" u="sng" dirty="0" smtClean="0"/>
-              <a:t> What </a:t>
-            </a:r>
-            <a:r>
-              <a:rPr lang="en-IN" b="1" u="sng" dirty="0" smtClean="0"/>
-              <a:t>can be improved</a:t>
-            </a:r>
-            <a:r>
-              <a:rPr lang="en-IN" dirty="0" smtClean="0"/>
-              <a:t/>
+              <a:rPr lang="en-IN" b="1" u="sng" dirty="0"/>
+              <a:t> What can be improved</a:t>
             </a:r>
             <a:br>
-              <a:rPr lang="en-IN" dirty="0" smtClean="0"/>
+              <a:rPr lang="en-IN" dirty="0"/>
             </a:br>
-            <a:endParaRPr lang="en-IN" dirty="0" smtClean="0"/>
+            <a:endParaRPr lang="en-IN" dirty="0"/>
           </a:p>
           <a:p>
             <a:pPr lvl="0" indent="-317500">
@@ -23426,7 +23221,7 @@
               <a:buChar char="●"/>
             </a:pPr>
             <a:r>
-              <a:rPr lang="en-IN" dirty="0" smtClean="0"/>
+              <a:rPr lang="en-IN" dirty="0"/>
               <a:t>Proper commit messages</a:t>
             </a:r>
           </a:p>
@@ -23442,24 +23237,16 @@
               <a:buChar char="●"/>
             </a:pPr>
             <a:r>
-              <a:rPr lang="en-IN" dirty="0" smtClean="0"/>
+              <a:rPr lang="en-IN" dirty="0"/>
               <a:t>Change management control to avoid code conflict </a:t>
             </a:r>
-            <a:r>
-              <a:rPr lang="en-IN" dirty="0" smtClean="0"/>
-              <a:t/>
-            </a:r>
             <a:br>
-              <a:rPr lang="en-IN" dirty="0" smtClean="0"/>
+              <a:rPr lang="en-IN" dirty="0"/>
             </a:br>
-            <a:r>
-              <a:rPr lang="en-IN" dirty="0" smtClean="0"/>
-              <a:t/>
-            </a:r>
             <a:br>
-              <a:rPr lang="en-IN" dirty="0" smtClean="0"/>
+              <a:rPr lang="en-IN" dirty="0"/>
             </a:br>
-            <a:endParaRPr lang="en-IN" dirty="0" smtClean="0"/>
+            <a:endParaRPr lang="en-IN" dirty="0"/>
           </a:p>
           <a:p>
             <a:pPr marL="177800" lvl="0" indent="0">
@@ -23471,7 +23258,7 @@
               </a:spcBef>
               <a:buNone/>
             </a:pPr>
-            <a:endParaRPr lang="en-IN" dirty="0" smtClean="0"/>
+            <a:endParaRPr lang="en-IN" dirty="0"/>
           </a:p>
           <a:p>
             <a:pPr marL="342900" lvl="1" indent="0">
@@ -23490,7 +23277,7 @@
               <a:buSzPts val="1800"/>
               <a:buNone/>
             </a:pPr>
-            <a:endParaRPr lang="en-IN" dirty="0" smtClean="0"/>
+            <a:endParaRPr lang="en-IN" dirty="0"/>
           </a:p>
           <a:p>
             <a:endParaRPr lang="en-IN" dirty="0"/>
@@ -23543,13 +23330,6 @@
   <p:clrMapOvr>
     <a:masterClrMapping/>
   </p:clrMapOvr>
-  <p:timing>
-    <p:tnLst>
-      <p:par>
-        <p:cTn id="1" dur="indefinite" restart="never" nodeType="tmRoot"/>
-      </p:par>
-    </p:tnLst>
-  </p:timing>
 </p:sld>
 </file>
 
@@ -23829,13 +23609,6 @@
   <p:clrMapOvr>
     <a:masterClrMapping/>
   </p:clrMapOvr>
-  <p:timing>
-    <p:tnLst>
-      <p:par>
-        <p:cTn id="1" dur="indefinite" restart="never" nodeType="tmRoot"/>
-      </p:par>
-    </p:tnLst>
-  </p:timing>
 </p:sld>
 </file>
 
@@ -23918,8 +23691,8 @@
         </p:nvSpPr>
         <p:spPr>
           <a:xfrm>
-            <a:off x="151300" y="787050"/>
-            <a:ext cx="10426800" cy="5254200"/>
+            <a:off x="0" y="907012"/>
+            <a:ext cx="11404430" cy="5499450"/>
           </a:xfrm>
           <a:prstGeom prst="rect">
             <a:avLst/>
@@ -23948,7 +23721,7 @@
               <a:buSzPts val="1440"/>
               <a:buNone/>
             </a:pPr>
-            <a:endParaRPr sz="2000">
+            <a:endParaRPr sz="2000" dirty="0">
               <a:solidFill>
                 <a:schemeClr val="dk1"/>
               </a:solidFill>
@@ -23973,31 +23746,35 @@
                 <a:solidFill>
                   <a:schemeClr val="dk1"/>
                 </a:solidFill>
+                <a:latin typeface="Trebuchet MS" panose="020B0703020202090204" pitchFamily="34" charset="0"/>
               </a:rPr>
               <a:t>[1] </a:t>
             </a:r>
             <a:r>
-              <a:rPr lang="en-US" sz="2000" u="sng" dirty="0">
-                <a:solidFill>
-                  <a:srgbClr val="7F6000"/>
-                </a:solidFill>
-                <a:hlinkClick r:id="rId3"/>
+              <a:rPr lang="en-US" sz="2000" dirty="0">
+                <a:solidFill>
+                  <a:schemeClr val="accent3">
+                    <a:lumMod val="75000"/>
+                  </a:schemeClr>
+                </a:solidFill>
+                <a:latin typeface="Trebuchet MS" panose="020B0703020202090204" pitchFamily="34" charset="0"/>
+                <a:hlinkClick r:id="rId3">
+                  <a:extLst>
+                    <a:ext uri="{A12FA001-AC4F-418D-AE19-62706E023703}">
+                      <ahyp:hlinkClr xmlns:ahyp="http://schemas.microsoft.com/office/drawing/2018/hyperlinkcolor" val="tx"/>
+                    </a:ext>
+                  </a:extLst>
+                </a:hlinkClick>
               </a:rPr>
-              <a:t>https://www.potential.com/articles/project-scope</a:t>
+              <a:t>https://www.potential.com/articles/project-scope/</a:t>
             </a:r>
-            <a:r>
-              <a:rPr lang="en-US" sz="2000" u="sng" dirty="0" smtClean="0">
-                <a:solidFill>
-                  <a:srgbClr val="7F6000"/>
-                </a:solidFill>
-                <a:hlinkClick r:id="rId3"/>
-              </a:rPr>
-              <a:t>/</a:t>
-            </a:r>
-            <a:endParaRPr sz="2000">
+            <a:endParaRPr sz="2000" dirty="0">
               <a:solidFill>
-                <a:srgbClr val="7F6000"/>
+                <a:schemeClr val="accent3">
+                  <a:lumMod val="75000"/>
+                </a:schemeClr>
               </a:solidFill>
+              <a:latin typeface="Trebuchet MS" panose="020B0703020202090204" pitchFamily="34" charset="0"/>
             </a:endParaRPr>
           </a:p>
           <a:p>
@@ -24015,22 +23792,36 @@
               <a:buNone/>
             </a:pPr>
             <a:r>
-              <a:rPr lang="en-US" sz="2000" dirty="0"/>
+              <a:rPr lang="en-US" sz="2000" dirty="0">
+                <a:latin typeface="Trebuchet MS" panose="020B0703020202090204" pitchFamily="34" charset="0"/>
+              </a:rPr>
               <a:t>[2] </a:t>
             </a:r>
             <a:r>
-              <a:rPr lang="en-US" sz="2000" u="sng" dirty="0">
-                <a:solidFill>
-                  <a:srgbClr val="7F6000"/>
-                </a:solidFill>
-                <a:hlinkClick r:id="rId4"/>
+              <a:rPr lang="en-US" sz="2000" dirty="0">
+                <a:solidFill>
+                  <a:schemeClr val="accent3">
+                    <a:lumMod val="75000"/>
+                  </a:schemeClr>
+                </a:solidFill>
+                <a:latin typeface="Trebuchet MS" panose="020B0703020202090204" pitchFamily="34" charset="0"/>
+                <a:hlinkClick r:id="rId4">
+                  <a:extLst>
+                    <a:ext uri="{A12FA001-AC4F-418D-AE19-62706E023703}">
+                      <ahyp:hlinkClr xmlns:ahyp="http://schemas.microsoft.com/office/drawing/2018/hyperlinkcolor" val="tx"/>
+                    </a:ext>
+                  </a:extLst>
+                </a:hlinkClick>
               </a:rPr>
               <a:t>https://www.pmi.org/learning/library/five-elements-process-oriented-project-6946</a:t>
             </a:r>
-            <a:endParaRPr sz="2000">
+            <a:endParaRPr sz="2000" dirty="0">
               <a:solidFill>
-                <a:srgbClr val="7F6000"/>
+                <a:schemeClr val="accent3">
+                  <a:lumMod val="75000"/>
+                </a:schemeClr>
               </a:solidFill>
+              <a:latin typeface="Trebuchet MS" panose="020B0703020202090204" pitchFamily="34" charset="0"/>
             </a:endParaRPr>
           </a:p>
           <a:p>
@@ -24052,6 +23843,7 @@
                 <a:solidFill>
                   <a:srgbClr val="000000"/>
                 </a:solidFill>
+                <a:latin typeface="Trebuchet MS" panose="020B0703020202090204" pitchFamily="34" charset="0"/>
               </a:rPr>
               <a:t>[3]</a:t>
             </a:r>
@@ -24060,22 +23852,35 @@
                 <a:solidFill>
                   <a:srgbClr val="7F6000"/>
                 </a:solidFill>
+                <a:latin typeface="Trebuchet MS" panose="020B0703020202090204" pitchFamily="34" charset="0"/>
               </a:rPr>
               <a:t> </a:t>
             </a:r>
             <a:r>
-              <a:rPr lang="en-US" sz="2000" u="sng" dirty="0">
-                <a:solidFill>
-                  <a:srgbClr val="7F6000"/>
-                </a:solidFill>
-                <a:hlinkClick r:id="rId5"/>
+              <a:rPr lang="en-US" sz="2000" dirty="0">
+                <a:solidFill>
+                  <a:schemeClr val="accent3">
+                    <a:lumMod val="75000"/>
+                  </a:schemeClr>
+                </a:solidFill>
+                <a:latin typeface="Trebuchet MS" panose="020B0703020202090204" pitchFamily="34" charset="0"/>
+                <a:hlinkClick r:id="rId5">
+                  <a:extLst>
+                    <a:ext uri="{A12FA001-AC4F-418D-AE19-62706E023703}">
+                      <ahyp:hlinkClr xmlns:ahyp="http://schemas.microsoft.com/office/drawing/2018/hyperlinkcolor" val="tx"/>
+                    </a:ext>
+                  </a:extLst>
+                </a:hlinkClick>
               </a:rPr>
               <a:t>https://en.wikipedia.org/wiki/HTML</a:t>
             </a:r>
-            <a:endParaRPr sz="2000">
+            <a:endParaRPr sz="2000" dirty="0">
               <a:solidFill>
-                <a:srgbClr val="7F6000"/>
+                <a:schemeClr val="accent3">
+                  <a:lumMod val="75000"/>
+                </a:schemeClr>
               </a:solidFill>
+              <a:latin typeface="Trebuchet MS" panose="020B0703020202090204" pitchFamily="34" charset="0"/>
             </a:endParaRPr>
           </a:p>
           <a:p>
@@ -24101,31 +23906,35 @@
                 <a:solidFill>
                   <a:schemeClr val="dk1"/>
                 </a:solidFill>
+                <a:latin typeface="Trebuchet MS" panose="020B0703020202090204" pitchFamily="34" charset="0"/>
               </a:rPr>
               <a:t>[4] </a:t>
             </a:r>
             <a:r>
-              <a:rPr lang="en-US" sz="2000" u="sng" dirty="0">
-                <a:solidFill>
-                  <a:srgbClr val="7F6000"/>
-                </a:solidFill>
-                <a:hlinkClick r:id="rId6"/>
+              <a:rPr lang="en-US" sz="2000" dirty="0">
+                <a:solidFill>
+                  <a:schemeClr val="accent3">
+                    <a:lumMod val="75000"/>
+                  </a:schemeClr>
+                </a:solidFill>
+                <a:latin typeface="Trebuchet MS" panose="020B0703020202090204" pitchFamily="34" charset="0"/>
+                <a:hlinkClick r:id="rId6">
+                  <a:extLst>
+                    <a:ext uri="{A12FA001-AC4F-418D-AE19-62706E023703}">
+                      <ahyp:hlinkClr xmlns:ahyp="http://schemas.microsoft.com/office/drawing/2018/hyperlinkcolor" val="tx"/>
+                    </a:ext>
+                  </a:extLst>
+                </a:hlinkClick>
               </a:rPr>
-              <a:t>https://</a:t>
+              <a:t>https://en.wikipedia.org/wiki/Font_Awesome</a:t>
             </a:r>
-            <a:r>
-              <a:rPr lang="en-US" sz="2000" u="sng" dirty="0" smtClean="0">
-                <a:solidFill>
-                  <a:srgbClr val="7F6000"/>
-                </a:solidFill>
-                <a:hlinkClick r:id="rId6"/>
-              </a:rPr>
-              <a:t>en.wikipedia.org/wiki/Font_Awesome</a:t>
-            </a:r>
-            <a:endParaRPr lang="en-US" sz="2000" u="sng" dirty="0" smtClean="0">
+            <a:endParaRPr lang="en-US" sz="2000" dirty="0">
               <a:solidFill>
-                <a:srgbClr val="7F6000"/>
+                <a:schemeClr val="accent3">
+                  <a:lumMod val="75000"/>
+                </a:schemeClr>
               </a:solidFill>
+              <a:latin typeface="Trebuchet MS" panose="020B0703020202090204" pitchFamily="34" charset="0"/>
             </a:endParaRPr>
           </a:p>
           <a:p>
@@ -24136,29 +23945,39 @@
               <a:buNone/>
             </a:pPr>
             <a:r>
-              <a:rPr lang="en-US" sz="2000" u="sng" dirty="0" smtClean="0">
+              <a:rPr lang="en-US" sz="2000" dirty="0">
                 <a:solidFill>
                   <a:schemeClr val="tx1"/>
                 </a:solidFill>
+                <a:latin typeface="Trebuchet MS" panose="020B0703020202090204" pitchFamily="34" charset="0"/>
               </a:rPr>
-              <a:t>[5]</a:t>
+              <a:t>[5] </a:t>
             </a:r>
             <a:r>
-              <a:rPr lang="en-IN" sz="2000" dirty="0" smtClean="0">
-                <a:hlinkClick r:id="rId7"/>
+              <a:rPr lang="en-IN" sz="2000" dirty="0">
+                <a:solidFill>
+                  <a:schemeClr val="accent3">
+                    <a:lumMod val="75000"/>
+                  </a:schemeClr>
+                </a:solidFill>
+                <a:latin typeface="Trebuchet MS" panose="020B0703020202090204" pitchFamily="34" charset="0"/>
+                <a:hlinkClick r:id="rId7">
+                  <a:extLst>
+                    <a:ext uri="{A12FA001-AC4F-418D-AE19-62706E023703}">
+                      <ahyp:hlinkClr xmlns:ahyp="http://schemas.microsoft.com/office/drawing/2018/hyperlinkcolor" val="tx"/>
+                    </a:ext>
+                  </a:extLst>
+                </a:hlinkClick>
               </a:rPr>
-              <a:t>https</a:t>
+              <a:t>https://blog.lucidmeetings.com/blog/how-to-lead-a-successful-project-retrospective-meeting</a:t>
             </a:r>
-            <a:r>
-              <a:rPr lang="en-IN" sz="2000" dirty="0" smtClean="0">
-                <a:hlinkClick r:id="rId7"/>
-              </a:rPr>
-              <a:t>://blog.lucidmeetings.com/blog/how-to-lead-a-successful-project-retrospective-meeting</a:t>
-            </a:r>
-            <a:endParaRPr sz="2000">
+            <a:endParaRPr sz="2000" dirty="0">
               <a:solidFill>
-                <a:srgbClr val="000000"/>
+                <a:schemeClr val="accent3">
+                  <a:lumMod val="75000"/>
+                </a:schemeClr>
               </a:solidFill>
+              <a:latin typeface="Trebuchet MS" panose="020B0703020202090204" pitchFamily="34" charset="0"/>
             </a:endParaRPr>
           </a:p>
           <a:p>
@@ -24166,34 +23985,42 @@
               <a:buNone/>
             </a:pPr>
             <a:r>
-              <a:rPr lang="en-IN" sz="2000" b="1" dirty="0" smtClean="0">
+              <a:rPr lang="en-IN" sz="2000" dirty="0">
                 <a:solidFill>
                   <a:schemeClr val="dk1"/>
                 </a:solidFill>
-                <a:latin typeface="Times New Roman"/>
+                <a:latin typeface="Trebuchet MS" panose="020B0703020202090204" pitchFamily="34" charset="0"/>
                 <a:ea typeface="Times New Roman"/>
                 <a:cs typeface="Times New Roman"/>
                 <a:sym typeface="Times New Roman"/>
               </a:rPr>
-              <a:t>[6]</a:t>
+              <a:t>[6] </a:t>
             </a:r>
             <a:r>
-              <a:rPr lang="en-IN" sz="2000" b="1" dirty="0" smtClean="0">
-                <a:hlinkClick r:id="rId8"/>
-              </a:rPr>
-              <a:t> </a:t>
-            </a:r>
-            <a:r>
-              <a:rPr lang="en-IN" sz="2000" dirty="0" smtClean="0">
-                <a:hlinkClick r:id="rId8"/>
+              <a:rPr lang="en-IN" sz="2000" dirty="0">
+                <a:solidFill>
+                  <a:schemeClr val="accent3">
+                    <a:lumMod val="75000"/>
+                  </a:schemeClr>
+                </a:solidFill>
+                <a:latin typeface="Trebuchet MS" panose="020B0703020202090204" pitchFamily="34" charset="0"/>
+                <a:hlinkClick r:id="rId8">
+                  <a:extLst>
+                    <a:ext uri="{A12FA001-AC4F-418D-AE19-62706E023703}">
+                      <ahyp:hlinkClr xmlns:ahyp="http://schemas.microsoft.com/office/drawing/2018/hyperlinkcolor" val="tx"/>
+                    </a:ext>
+                  </a:extLst>
+                </a:hlinkClick>
               </a:rPr>
               <a:t>http://s3.sitepoint.com/examples/git-project-changes.pdf</a:t>
             </a:r>
-            <a:endParaRPr sz="2000">
+            <a:endParaRPr sz="2000" dirty="0">
               <a:solidFill>
-                <a:schemeClr val="dk1"/>
+                <a:schemeClr val="accent3">
+                  <a:lumMod val="75000"/>
+                </a:schemeClr>
               </a:solidFill>
-              <a:latin typeface="Times New Roman"/>
+              <a:latin typeface="Trebuchet MS" panose="020B0703020202090204" pitchFamily="34" charset="0"/>
               <a:ea typeface="Times New Roman"/>
               <a:cs typeface="Times New Roman"/>
               <a:sym typeface="Times New Roman"/>
@@ -24277,13 +24104,6 @@
   <p:clrMapOvr>
     <a:masterClrMapping/>
   </p:clrMapOvr>
-  <p:timing>
-    <p:tnLst>
-      <p:par>
-        <p:cTn id="1" dur="indefinite" restart="never" nodeType="tmRoot"/>
-      </p:par>
-    </p:tnLst>
-  </p:timing>
 </p:sld>
 </file>
 
@@ -24471,13 +24291,6 @@
   <p:clrMapOvr>
     <a:masterClrMapping/>
   </p:clrMapOvr>
-  <p:timing>
-    <p:tnLst>
-      <p:par>
-        <p:cTn id="1" dur="indefinite" restart="never" nodeType="tmRoot"/>
-      </p:par>
-    </p:tnLst>
-  </p:timing>
 </p:sld>
 </file>
 
@@ -24714,13 +24527,6 @@
   <p:clrMapOvr>
     <a:masterClrMapping/>
   </p:clrMapOvr>
-  <p:timing>
-    <p:tnLst>
-      <p:par>
-        <p:cTn id="1" dur="indefinite" restart="never" nodeType="tmRoot"/>
-      </p:par>
-    </p:tnLst>
-  </p:timing>
 </p:sld>
 </file>
 
@@ -24938,13 +24744,6 @@
   <p:clrMapOvr>
     <a:masterClrMapping/>
   </p:clrMapOvr>
-  <p:timing>
-    <p:tnLst>
-      <p:par>
-        <p:cTn id="1" dur="indefinite" restart="never" nodeType="tmRoot"/>
-      </p:par>
-    </p:tnLst>
-  </p:timing>
 </p:sld>
 </file>
 
@@ -25485,13 +25284,6 @@
   <p:clrMapOvr>
     <a:masterClrMapping/>
   </p:clrMapOvr>
-  <p:timing>
-    <p:tnLst>
-      <p:par>
-        <p:cTn id="1" dur="indefinite" restart="never" nodeType="tmRoot"/>
-      </p:par>
-    </p:tnLst>
-  </p:timing>
 </p:sld>
 </file>
 
@@ -25597,56 +25389,23 @@
           <a:p>
             <a:pPr marL="0" indent="0"/>
             <a:r>
-              <a:rPr lang="en-US" sz="2000" dirty="0" smtClean="0"/>
-              <a:t> The </a:t>
-            </a:r>
-            <a:r>
               <a:rPr lang="en-US" sz="2000" dirty="0"/>
-              <a:t>first risk that we faced was about understanding the scope of the project and avoiding to have a misunderstanding about it</a:t>
-            </a:r>
-            <a:r>
-              <a:rPr lang="en-US" sz="2000" dirty="0" smtClean="0"/>
-              <a:t>.</a:t>
+              <a:t> The first risk that we faced was about understanding the scope of the project and avoiding to have a misunderstanding about it.</a:t>
             </a:r>
           </a:p>
           <a:p>
             <a:pPr marL="0" indent="0"/>
             <a:r>
-              <a:rPr lang="en-US" sz="2000" dirty="0" smtClean="0"/>
-              <a:t> For </a:t>
-            </a:r>
-            <a:r>
               <a:rPr lang="en-US" sz="2000" dirty="0"/>
-              <a:t>reducing this risk we </a:t>
-            </a:r>
-            <a:r>
-              <a:rPr lang="en-US" sz="2000" dirty="0" smtClean="0"/>
-              <a:t>held many </a:t>
-            </a:r>
-            <a:r>
-              <a:rPr lang="en-US" sz="2000" dirty="0"/>
-              <a:t>meetings with all team members and followed the agile process to avoid any misleading during the project</a:t>
-            </a:r>
-            <a:r>
-              <a:rPr lang="en-US" sz="2000" dirty="0" smtClean="0"/>
-              <a:t>.</a:t>
+              <a:t> For reducing this risk we held many meetings with all team members and followed the agile process to avoid any misleading during the project.</a:t>
             </a:r>
           </a:p>
           <a:p>
             <a:pPr marL="0" indent="0"/>
             <a:r>
-              <a:rPr lang="en-US" sz="2000" dirty="0" smtClean="0"/>
-              <a:t> We </a:t>
+              <a:rPr lang="en-US" sz="2000" dirty="0"/>
+              <a:t> We kept discussion and the meeting every days for sharing any issues that we faced with and resolving them.</a:t>
             </a:r>
-            <a:r>
-              <a:rPr lang="en-US" sz="2000" dirty="0"/>
-              <a:t>kept discussion and the meeting every days for sharing any issues that we faced with and resolving them</a:t>
-            </a:r>
-            <a:r>
-              <a:rPr lang="en-US" sz="2000" dirty="0" smtClean="0"/>
-              <a:t>.</a:t>
-            </a:r>
-            <a:endParaRPr lang="en-US" sz="2000" dirty="0"/>
           </a:p>
         </p:txBody>
       </p:sp>
@@ -25726,13 +25485,6 @@
   <p:clrMapOvr>
     <a:masterClrMapping/>
   </p:clrMapOvr>
-  <p:timing>
-    <p:tnLst>
-      <p:par>
-        <p:cTn id="1" dur="indefinite" restart="never" nodeType="tmRoot"/>
-      </p:par>
-    </p:tnLst>
-  </p:timing>
 </p:sld>
 </file>
 
@@ -25861,7 +25613,7 @@
               <a:rPr lang="en-US" b="1" dirty="0"/>
               <a:t>We have used some tools which are listed below, that help to introduce risk during developing and designing the project due to non-equivalent knowledge of all team members in working with:</a:t>
             </a:r>
-            <a:endParaRPr b="1"/>
+            <a:endParaRPr b="1" dirty="0"/>
           </a:p>
           <a:p>
             <a:pPr marL="0" lvl="0" indent="0" algn="l" rtl="0">
@@ -25897,7 +25649,7 @@
               <a:rPr lang="en-US" dirty="0"/>
               <a:t> it is one the powerful programming language for developing website.</a:t>
             </a:r>
-            <a:endParaRPr/>
+            <a:endParaRPr dirty="0"/>
           </a:p>
           <a:p>
             <a:pPr marL="0" lvl="0" indent="0" algn="l" rtl="0">
@@ -25918,14 +25670,14 @@
               <a:buNone/>
             </a:pPr>
             <a:r>
-              <a:rPr lang="en-US" b="1" dirty="0" err="1"/>
+              <a:rPr lang="en-US" b="1" dirty="0"/>
               <a:t>MySQL</a:t>
             </a:r>
             <a:r>
               <a:rPr lang="en-US" dirty="0"/>
               <a:t> - it is one of the popular database system.</a:t>
             </a:r>
-            <a:endParaRPr/>
+            <a:endParaRPr dirty="0"/>
           </a:p>
           <a:p>
             <a:pPr marL="0" lvl="0" indent="0" algn="l" rtl="0">
@@ -25953,7 +25705,7 @@
               <a:rPr lang="en-US" dirty="0"/>
               <a:t> it is the standard markup language for designing document in a web browser [3].</a:t>
             </a:r>
-            <a:endParaRPr/>
+            <a:endParaRPr dirty="0"/>
           </a:p>
           <a:p>
             <a:pPr marL="0" lvl="0" indent="0" algn="l" rtl="0">
@@ -25981,7 +25733,7 @@
               <a:rPr lang="en-US" dirty="0"/>
               <a:t> it is a style sheet language that is used for designing and styling html documents. </a:t>
             </a:r>
-            <a:endParaRPr/>
+            <a:endParaRPr dirty="0"/>
           </a:p>
           <a:p>
             <a:pPr marL="0" lvl="0" indent="0" algn="l" rtl="0">
@@ -26009,7 +25761,7 @@
               <a:rPr lang="en-US" dirty="0"/>
               <a:t>  it is a powerful programming language to make animation and good functionality in web development.</a:t>
             </a:r>
-            <a:endParaRPr/>
+            <a:endParaRPr dirty="0"/>
           </a:p>
           <a:p>
             <a:pPr marL="0" lvl="0" indent="0" algn="l" rtl="0">
@@ -26037,7 +25789,7 @@
               <a:rPr lang="en-US" dirty="0"/>
               <a:t> a tool framework for responsive website design that is based on CSS and JavaScript.</a:t>
             </a:r>
-            <a:endParaRPr/>
+            <a:endParaRPr dirty="0"/>
           </a:p>
           <a:p>
             <a:pPr marL="0" lvl="0" indent="0" algn="l" rtl="0">
@@ -26065,7 +25817,7 @@
               <a:rPr lang="en-US" dirty="0"/>
               <a:t> it is a tool for icon and font based on CSS [4]. </a:t>
             </a:r>
-            <a:endParaRPr/>
+            <a:endParaRPr dirty="0"/>
           </a:p>
           <a:p>
             <a:pPr marL="0" lvl="0" indent="0" algn="l" rtl="0">
@@ -26093,7 +25845,7 @@
               <a:rPr lang="en-US" dirty="0"/>
               <a:t> it is a web server software platform.</a:t>
             </a:r>
-            <a:endParaRPr/>
+            <a:endParaRPr dirty="0"/>
           </a:p>
           <a:p>
             <a:pPr marL="0" lvl="0" indent="0" algn="l" rtl="0">
@@ -26114,18 +25866,14 @@
               <a:buNone/>
             </a:pPr>
             <a:r>
-              <a:rPr lang="en-US" b="1" dirty="0" err="1"/>
-              <a:t>GitHub</a:t>
-            </a:r>
-            <a:r>
               <a:rPr lang="en-US" b="1" dirty="0"/>
-              <a:t> -</a:t>
+              <a:t>GitHub -</a:t>
             </a:r>
             <a:r>
               <a:rPr lang="en-US" dirty="0"/>
               <a:t> it is one of the common version control system.</a:t>
             </a:r>
-            <a:endParaRPr/>
+            <a:endParaRPr dirty="0"/>
           </a:p>
         </p:txBody>
       </p:sp>
@@ -26205,13 +25953,6 @@
   <p:clrMapOvr>
     <a:masterClrMapping/>
   </p:clrMapOvr>
-  <p:timing>
-    <p:tnLst>
-      <p:par>
-        <p:cTn id="1" dur="indefinite" restart="never" nodeType="tmRoot"/>
-      </p:par>
-    </p:tnLst>
-  </p:timing>
 </p:sld>
 </file>
 
@@ -26323,41 +26064,41 @@
               <a:buNone/>
             </a:pPr>
             <a:r>
-              <a:rPr lang="en-US" sz="2000" dirty="0" smtClean="0">
+              <a:rPr lang="en-US" sz="2000" dirty="0">
                 <a:latin typeface="+mn-lt"/>
               </a:rPr>
               <a:t>One of our major concern for designing and developing website was about choosing proper and reliable technology based on our project scope.</a:t>
             </a:r>
-            <a:endParaRPr sz="2000" smtClean="0">
+            <a:endParaRPr sz="2000" dirty="0">
               <a:latin typeface="+mn-lt"/>
             </a:endParaRPr>
           </a:p>
           <a:p>
             <a:pPr marL="0" indent="0"/>
             <a:r>
-              <a:rPr lang="en-US" sz="2000" dirty="0" smtClean="0">
+              <a:rPr lang="en-US" sz="2000" dirty="0">
                 <a:latin typeface="+mn-lt"/>
               </a:rPr>
               <a:t> </a:t>
             </a:r>
             <a:r>
-              <a:rPr lang="en-US" sz="2000" dirty="0" smtClean="0"/>
+              <a:rPr lang="en-US" sz="2000" dirty="0"/>
               <a:t> At first we used JavaScript as a backend of website for handling search engine by adding all contents into one JavaScript file and retrieve them by another JavaScript file, that was risky for searching and unreliable, then we use most powerful technology like </a:t>
             </a:r>
             <a:r>
-              <a:rPr lang="en-US" sz="2000" b="1" dirty="0" smtClean="0"/>
+              <a:rPr lang="en-US" sz="2000" b="1" dirty="0"/>
               <a:t>PHP</a:t>
             </a:r>
             <a:r>
-              <a:rPr lang="en-US" sz="2000" dirty="0" smtClean="0"/>
+              <a:rPr lang="en-US" sz="2000" dirty="0"/>
               <a:t> and database (</a:t>
             </a:r>
             <a:r>
-              <a:rPr lang="en-US" sz="2000" b="1" dirty="0" err="1" smtClean="0"/>
+              <a:rPr lang="en-US" sz="2000" b="1" dirty="0"/>
               <a:t>MySQL</a:t>
             </a:r>
             <a:r>
-              <a:rPr lang="en-US" sz="2000" dirty="0" smtClean="0"/>
+              <a:rPr lang="en-US" sz="2000" dirty="0"/>
               <a:t>) to handle the search engine.</a:t>
             </a:r>
           </a:p>
@@ -26365,7 +26106,7 @@
             <a:pPr marL="0" indent="0">
               <a:buNone/>
             </a:pPr>
-            <a:endParaRPr lang="en-US" sz="2000" dirty="0" smtClean="0"/>
+            <a:endParaRPr lang="en-US" sz="2000" dirty="0"/>
           </a:p>
           <a:p>
             <a:pPr marL="0" indent="0">
@@ -26379,34 +26120,23 @@
               <a:buNone/>
             </a:pPr>
             <a:r>
-              <a:rPr lang="en-US" sz="3200" dirty="0" smtClean="0">
+              <a:rPr lang="en-US" sz="3200" dirty="0">
                 <a:solidFill>
                   <a:schemeClr val="accent1"/>
                 </a:solidFill>
               </a:rPr>
               <a:t>Risk  (Compatibility)</a:t>
             </a:r>
-            <a:endParaRPr lang="en-US" sz="3200" dirty="0">
-              <a:solidFill>
-                <a:schemeClr val="accent1"/>
-              </a:solidFill>
-            </a:endParaRPr>
           </a:p>
           <a:p>
             <a:pPr marL="0" indent="0"/>
             <a:r>
-              <a:rPr lang="en-IN" sz="2000" dirty="0" smtClean="0">
+              <a:rPr lang="en-IN" sz="2000" dirty="0">
                 <a:latin typeface="+mn-lt"/>
               </a:rPr>
-              <a:t> The </a:t>
+              <a:t> The compatibility of  our developed website with the most common browser such as Google Chrome, Mozilla Firefox, Safari, Internet Explorer (IE), was our concern during this project</a:t>
             </a:r>
-            <a:r>
-              <a:rPr lang="en-IN" sz="2000" dirty="0" smtClean="0">
-                <a:latin typeface="+mn-lt"/>
-              </a:rPr>
-              <a:t>compatibility of  our developed website with the most common browser such as Google Chrome, Mozilla Firefox, Safari, Internet Explorer (IE), was our concern during this project</a:t>
-            </a:r>
-            <a:endParaRPr lang="en-US" sz="2000" dirty="0" smtClean="0">
+            <a:endParaRPr lang="en-US" sz="2000" dirty="0">
               <a:latin typeface="+mn-lt"/>
             </a:endParaRPr>
           </a:p>
@@ -26418,7 +26148,7 @@
               <a:buSzPts val="1100"/>
               <a:buNone/>
             </a:pPr>
-            <a:endParaRPr lang="en-IN" sz="2000" dirty="0" smtClean="0">
+            <a:endParaRPr lang="en-IN" sz="2000" dirty="0">
               <a:latin typeface="+mn-lt"/>
             </a:endParaRPr>
           </a:p>
@@ -26430,7 +26160,7 @@
               <a:buSzPts val="1100"/>
               <a:buNone/>
             </a:pPr>
-            <a:endParaRPr lang="en-IN" sz="2000" dirty="0" smtClean="0">
+            <a:endParaRPr lang="en-IN" sz="2000" dirty="0">
               <a:latin typeface="+mn-lt"/>
             </a:endParaRPr>
           </a:p>
@@ -26452,7 +26182,7 @@
               <a:buFont typeface="Arial"/>
               <a:buNone/>
             </a:pPr>
-            <a:endParaRPr sz="2000">
+            <a:endParaRPr sz="2000" dirty="0">
               <a:latin typeface="+mn-lt"/>
             </a:endParaRPr>
           </a:p>
@@ -26534,13 +26264,6 @@
   <p:clrMapOvr>
     <a:masterClrMapping/>
   </p:clrMapOvr>
-  <p:timing>
-    <p:tnLst>
-      <p:par>
-        <p:cTn id="1" dur="indefinite" restart="never" nodeType="tmRoot"/>
-      </p:par>
-    </p:tnLst>
-  </p:timing>
 </p:sld>
 </file>
 
@@ -26649,16 +26372,8 @@
               </a:buClr>
             </a:pPr>
             <a:r>
-              <a:rPr lang="en-US" sz="2000" dirty="0" smtClean="0"/>
-              <a:t> Meeting</a:t>
-            </a:r>
-            <a:r>
               <a:rPr lang="en-US" sz="2000" dirty="0"/>
-              <a:t>: More frequent meetings</a:t>
-            </a:r>
-            <a:r>
-              <a:rPr lang="en-US" sz="2000" dirty="0" smtClean="0"/>
-              <a:t>.</a:t>
+              <a:t> Meeting: More frequent meetings.</a:t>
             </a:r>
           </a:p>
           <a:p>
@@ -26670,7 +26385,7 @@
                 <a:schemeClr val="dk1"/>
               </a:buClr>
             </a:pPr>
-            <a:endParaRPr lang="en-US" sz="2000" dirty="0" smtClean="0"/>
+            <a:endParaRPr lang="en-US" sz="2000" dirty="0"/>
           </a:p>
           <a:p>
             <a:pPr marL="0" indent="0">
@@ -26682,24 +26397,8 @@
               </a:buClr>
             </a:pPr>
             <a:r>
-              <a:rPr lang="en-US" sz="2000" dirty="0" smtClean="0"/>
-              <a:t> Use </a:t>
-            </a:r>
-            <a:r>
               <a:rPr lang="en-US" sz="2000" dirty="0"/>
-              <a:t>of graphical tools</a:t>
-            </a:r>
-            <a:r>
-              <a:rPr lang="en-US" sz="2000" dirty="0" smtClean="0"/>
-              <a:t>, charts </a:t>
-            </a:r>
-            <a:r>
-              <a:rPr lang="en-US" sz="2000" dirty="0"/>
-              <a:t>for representation of task updates.[2</a:t>
-            </a:r>
-            <a:r>
-              <a:rPr lang="en-US" sz="2000" dirty="0" smtClean="0"/>
-              <a:t>]</a:t>
+              <a:t> Use of graphical tools, charts for representation of task updates.[2]</a:t>
             </a:r>
           </a:p>
           <a:p>
@@ -26711,7 +26410,7 @@
                 <a:schemeClr val="dk1"/>
               </a:buClr>
             </a:pPr>
-            <a:endParaRPr lang="en-US" sz="2000" dirty="0" smtClean="0"/>
+            <a:endParaRPr lang="en-US" sz="2000" dirty="0"/>
           </a:p>
           <a:p>
             <a:pPr marL="0" indent="0">
@@ -26723,58 +26422,16 @@
               </a:buClr>
             </a:pPr>
             <a:r>
-              <a:rPr lang="en-US" sz="2000" dirty="0" smtClean="0"/>
+              <a:rPr lang="en-US" sz="2000" dirty="0"/>
               <a:t> Change </a:t>
             </a:r>
             <a:r>
               <a:rPr lang="en-US" sz="2000"/>
-              <a:t>control </a:t>
-            </a:r>
-            <a:r>
-              <a:rPr lang="en-US" sz="2000" smtClean="0"/>
-              <a:t>managements[6] </a:t>
+              <a:t>control managements[6] </a:t>
             </a:r>
             <a:r>
               <a:rPr lang="en-US" sz="2000" dirty="0"/>
-              <a:t>for reducing code conflicts, check in/check </a:t>
-            </a:r>
-            <a:r>
-              <a:rPr lang="en-US" sz="2000" dirty="0" smtClean="0"/>
-              <a:t>out. </a:t>
-            </a:r>
-            <a:endParaRPr lang="en-US" sz="2000" dirty="0" smtClean="0"/>
-          </a:p>
-          <a:p>
-            <a:pPr marL="0" indent="0">
-              <a:spcBef>
-                <a:spcPts val="0"/>
-              </a:spcBef>
-              <a:buClr>
-                <a:schemeClr val="dk1"/>
-              </a:buClr>
-            </a:pPr>
-            <a:endParaRPr lang="en-US" sz="2000" dirty="0" smtClean="0"/>
-          </a:p>
-          <a:p>
-            <a:pPr marL="0" indent="0">
-              <a:spcBef>
-                <a:spcPts val="0"/>
-              </a:spcBef>
-              <a:buClr>
-                <a:schemeClr val="dk1"/>
-              </a:buClr>
-            </a:pPr>
-            <a:r>
-              <a:rPr lang="en-US" sz="2000" dirty="0" smtClean="0"/>
-              <a:t> Proper </a:t>
-            </a:r>
-            <a:r>
-              <a:rPr lang="en-US" sz="2000" dirty="0" smtClean="0"/>
-              <a:t>commit </a:t>
-            </a:r>
-            <a:r>
-              <a:rPr lang="en-US" sz="2000" dirty="0" smtClean="0"/>
-              <a:t>messages.</a:t>
+              <a:t>for reducing code conflicts, check in/check out. </a:t>
             </a:r>
           </a:p>
           <a:p>
@@ -26785,9 +26442,8 @@
               <a:buClr>
                 <a:schemeClr val="dk1"/>
               </a:buClr>
-              <a:buNone/>
             </a:pPr>
-            <a:endParaRPr lang="en-US" sz="2000" dirty="0" smtClean="0"/>
+            <a:endParaRPr lang="en-US" sz="2000" dirty="0"/>
           </a:p>
           <a:p>
             <a:pPr marL="0" indent="0">
@@ -26799,18 +26455,9 @@
               </a:buClr>
             </a:pPr>
             <a:r>
-              <a:rPr lang="en-US" sz="2000" dirty="0" smtClean="0"/>
-              <a:t> Setting </a:t>
+              <a:rPr lang="en-US" sz="2000" dirty="0"/>
+              <a:t> Proper commit messages.</a:t>
             </a:r>
-            <a:r>
-              <a:rPr lang="en-US" sz="2000" dirty="0" smtClean="0"/>
-              <a:t>up branching </a:t>
-            </a:r>
-            <a:r>
-              <a:rPr lang="en-US" sz="2000" dirty="0" smtClean="0"/>
-              <a:t>mechanism.</a:t>
-            </a:r>
-            <a:endParaRPr lang="en-US" sz="2000" dirty="0" smtClean="0"/>
           </a:p>
           <a:p>
             <a:pPr marL="0" indent="0">
@@ -26820,8 +26467,9 @@
               <a:buClr>
                 <a:schemeClr val="dk1"/>
               </a:buClr>
+              <a:buNone/>
             </a:pPr>
-            <a:endParaRPr lang="en-US" sz="2000" dirty="0" smtClean="0"/>
+            <a:endParaRPr lang="en-US" sz="2000" dirty="0"/>
           </a:p>
           <a:p>
             <a:pPr marL="0" indent="0">
@@ -26833,18 +26481,34 @@
               </a:buClr>
             </a:pPr>
             <a:r>
-              <a:rPr lang="en-US" sz="2000" dirty="0" smtClean="0"/>
-              <a:t> Completing </a:t>
+              <a:rPr lang="en-US" sz="2000" dirty="0"/>
+              <a:t> Setting up branching mechanism.</a:t>
             </a:r>
+          </a:p>
+          <a:p>
+            <a:pPr marL="0" indent="0">
+              <a:spcBef>
+                <a:spcPts val="0"/>
+              </a:spcBef>
+              <a:buClr>
+                <a:schemeClr val="dk1"/>
+              </a:buClr>
+            </a:pPr>
+            <a:endParaRPr lang="en-US" sz="2000" dirty="0"/>
+          </a:p>
+          <a:p>
+            <a:pPr marL="0" indent="0">
+              <a:spcBef>
+                <a:spcPts val="0"/>
+              </a:spcBef>
+              <a:buClr>
+                <a:schemeClr val="dk1"/>
+              </a:buClr>
+            </a:pPr>
             <a:r>
               <a:rPr lang="en-US" sz="2000" dirty="0"/>
-              <a:t>work items on </a:t>
+              <a:t> Completing work items on time.</a:t>
             </a:r>
-            <a:r>
-              <a:rPr lang="en-US" sz="2000" dirty="0" smtClean="0"/>
-              <a:t>time.</a:t>
-            </a:r>
-            <a:endParaRPr lang="en-US" sz="2000" dirty="0"/>
           </a:p>
         </p:txBody>
       </p:sp>
@@ -26924,13 +26588,6 @@
   <p:clrMapOvr>
     <a:masterClrMapping/>
   </p:clrMapOvr>
-  <p:timing>
-    <p:tnLst>
-      <p:par>
-        <p:cTn id="1" dur="indefinite" restart="never" nodeType="tmRoot"/>
-      </p:par>
-    </p:tnLst>
-  </p:timing>
 </p:sld>
 </file>
 
@@ -27359,13 +27016,6 @@
   <p:clrMapOvr>
     <a:masterClrMapping/>
   </p:clrMapOvr>
-  <p:timing>
-    <p:tnLst>
-      <p:par>
-        <p:cTn id="1" dur="indefinite" restart="never" nodeType="tmRoot"/>
-      </p:par>
-    </p:tnLst>
-  </p:timing>
 </p:sld>
 </file>
 
